--- a/assignment_3_background.pptx
+++ b/assignment_3_background.pptx
@@ -5,7 +5,7 @@
     <p:sldMasterId id="2147483648" r:id="rId1"/>
   </p:sldMasterIdLst>
   <p:notesMasterIdLst>
-    <p:notesMasterId r:id="rId15"/>
+    <p:notesMasterId r:id="rId16"/>
   </p:notesMasterIdLst>
   <p:sldIdLst>
     <p:sldId id="258" r:id="rId2"/>
@@ -14,13 +14,14 @@
     <p:sldId id="260" r:id="rId5"/>
     <p:sldId id="264" r:id="rId6"/>
     <p:sldId id="261" r:id="rId7"/>
-    <p:sldId id="271" r:id="rId8"/>
-    <p:sldId id="269" r:id="rId9"/>
-    <p:sldId id="262" r:id="rId10"/>
-    <p:sldId id="265" r:id="rId11"/>
-    <p:sldId id="266" r:id="rId12"/>
-    <p:sldId id="267" r:id="rId13"/>
-    <p:sldId id="268" r:id="rId14"/>
+    <p:sldId id="272" r:id="rId8"/>
+    <p:sldId id="271" r:id="rId9"/>
+    <p:sldId id="269" r:id="rId10"/>
+    <p:sldId id="262" r:id="rId11"/>
+    <p:sldId id="265" r:id="rId12"/>
+    <p:sldId id="266" r:id="rId13"/>
+    <p:sldId id="267" r:id="rId14"/>
+    <p:sldId id="268" r:id="rId15"/>
   </p:sldIdLst>
   <p:sldSz cx="12192000" cy="6858000"/>
   <p:notesSz cx="6858000" cy="9144000"/>
@@ -119,6 +120,11 @@
       </a:defRPr>
     </a:lvl9pPr>
   </p:defaultTextStyle>
+  <p:extLst>
+    <p:ext uri="{EFAFB233-063F-42B5-8137-9DF3F51BA10A}">
+      <p15:sldGuideLst xmlns:p15="http://schemas.microsoft.com/office/powerpoint/2012/main"/>
+    </p:ext>
+  </p:extLst>
 </p:presentation>
 </file>
 
@@ -4109,6 +4115,382 @@
         <p:cNvPr id="1" name="">
           <a:extLst>
             <a:ext uri="{FF2B5EF4-FFF2-40B4-BE49-F238E27FC236}">
+              <a16:creationId xmlns:a16="http://schemas.microsoft.com/office/drawing/2014/main" id="{59375970-ACFF-447D-4A03-0B9D203594E5}"/>
+            </a:ext>
+          </a:extLst>
+        </p:cNvPr>
+        <p:cNvGrpSpPr/>
+        <p:nvPr/>
+      </p:nvGrpSpPr>
+      <p:grpSpPr>
+        <a:xfrm>
+          <a:off x="0" y="0"/>
+          <a:ext cx="0" cy="0"/>
+          <a:chOff x="0" y="0"/>
+          <a:chExt cx="0" cy="0"/>
+        </a:xfrm>
+      </p:grpSpPr>
+      <p:sp>
+        <p:nvSpPr>
+          <p:cNvPr id="2" name="Title 1">
+            <a:extLst>
+              <a:ext uri="{FF2B5EF4-FFF2-40B4-BE49-F238E27FC236}">
+                <a16:creationId xmlns:a16="http://schemas.microsoft.com/office/drawing/2014/main" id="{6E3AB8A1-F6E3-E613-3303-F5C750A5F04B}"/>
+              </a:ext>
+            </a:extLst>
+          </p:cNvPr>
+          <p:cNvSpPr>
+            <a:spLocks noGrp="1"/>
+          </p:cNvSpPr>
+          <p:nvPr>
+            <p:ph type="title"/>
+          </p:nvPr>
+        </p:nvSpPr>
+        <p:spPr/>
+        <p:txBody>
+          <a:bodyPr/>
+          <a:lstStyle/>
+          <a:p>
+            <a:r>
+              <a:rPr lang="en-US" b="1" dirty="0">
+                <a:latin typeface="Helvetica Neue" panose="02000503000000020004" pitchFamily="2" charset="0"/>
+                <a:ea typeface="Helvetica Neue" panose="02000503000000020004" pitchFamily="2" charset="0"/>
+                <a:cs typeface="Helvetica Neue" panose="02000503000000020004" pitchFamily="2" charset="0"/>
+              </a:rPr>
+              <a:t>Exercise 1</a:t>
+            </a:r>
+          </a:p>
+        </p:txBody>
+      </p:sp>
+      <p:sp>
+        <p:nvSpPr>
+          <p:cNvPr id="3" name="Content Placeholder 2">
+            <a:extLst>
+              <a:ext uri="{FF2B5EF4-FFF2-40B4-BE49-F238E27FC236}">
+                <a16:creationId xmlns:a16="http://schemas.microsoft.com/office/drawing/2014/main" id="{BBDBDE47-E831-1030-9BD4-153D63BF0741}"/>
+              </a:ext>
+            </a:extLst>
+          </p:cNvPr>
+          <p:cNvSpPr>
+            <a:spLocks noGrp="1"/>
+          </p:cNvSpPr>
+          <p:nvPr>
+            <p:ph idx="1"/>
+          </p:nvPr>
+        </p:nvSpPr>
+        <p:spPr/>
+        <p:txBody>
+          <a:bodyPr/>
+          <a:lstStyle/>
+          <a:p>
+            <a:pPr marL="285750" lvl="7" indent="-285750">
+              <a:spcBef>
+                <a:spcPts val="1000"/>
+              </a:spcBef>
+            </a:pPr>
+            <a:r>
+              <a:rPr lang="en-US" sz="2800" dirty="0">
+                <a:solidFill>
+                  <a:schemeClr val="dk1"/>
+                </a:solidFill>
+                <a:latin typeface="Helvetica Neue"/>
+                <a:ea typeface="Helvetica Neue"/>
+                <a:cs typeface="Helvetica Neue"/>
+                <a:sym typeface="Helvetica Neue"/>
+              </a:rPr>
+              <a:t>Create a Public/Private key pair</a:t>
+            </a:r>
+          </a:p>
+          <a:p>
+            <a:pPr marL="285750" lvl="7" indent="-285750">
+              <a:spcBef>
+                <a:spcPts val="1000"/>
+              </a:spcBef>
+            </a:pPr>
+            <a:r>
+              <a:rPr lang="en-US" sz="2800" dirty="0">
+                <a:solidFill>
+                  <a:schemeClr val="dk1"/>
+                </a:solidFill>
+                <a:latin typeface="Helvetica Neue"/>
+                <a:ea typeface="Helvetica Neue"/>
+                <a:cs typeface="Helvetica Neue"/>
+                <a:sym typeface="Helvetica Neue"/>
+              </a:rPr>
+              <a:t>Sign a message</a:t>
+            </a:r>
+          </a:p>
+          <a:p>
+            <a:pPr marL="742950" lvl="8" indent="-285750">
+              <a:spcBef>
+                <a:spcPts val="1000"/>
+              </a:spcBef>
+            </a:pPr>
+            <a:r>
+              <a:rPr lang="en-US" sz="2800" dirty="0">
+                <a:solidFill>
+                  <a:schemeClr val="dk1"/>
+                </a:solidFill>
+                <a:latin typeface="Helvetica Neue"/>
+                <a:ea typeface="Helvetica Neue"/>
+                <a:cs typeface="Helvetica Neue"/>
+              </a:rPr>
+              <a:t>hashlib.sha256(b"").digest().hex()</a:t>
+            </a:r>
+          </a:p>
+          <a:p>
+            <a:pPr marL="285750" lvl="7" indent="-285750">
+              <a:spcBef>
+                <a:spcPts val="1000"/>
+              </a:spcBef>
+            </a:pPr>
+            <a:r>
+              <a:rPr lang="en-US" sz="2800" dirty="0">
+                <a:solidFill>
+                  <a:schemeClr val="dk1"/>
+                </a:solidFill>
+                <a:latin typeface="Helvetica Neue"/>
+                <a:ea typeface="Helvetica Neue"/>
+                <a:cs typeface="Helvetica Neue"/>
+                <a:sym typeface="Helvetica Neue"/>
+              </a:rPr>
+              <a:t>Output your public key and signed message</a:t>
+            </a:r>
+          </a:p>
+          <a:p>
+            <a:pPr marL="742950" lvl="8" indent="-285750">
+              <a:spcBef>
+                <a:spcPts val="1000"/>
+              </a:spcBef>
+            </a:pPr>
+            <a:r>
+              <a:rPr lang="en-US" sz="2800" dirty="0">
+                <a:solidFill>
+                  <a:schemeClr val="dk1"/>
+                </a:solidFill>
+                <a:latin typeface="Helvetica Neue"/>
+                <a:ea typeface="Helvetica Neue"/>
+                <a:cs typeface="Helvetica Neue"/>
+                <a:sym typeface="Helvetica Neue"/>
+              </a:rPr>
+              <a:t>All hex characters</a:t>
+            </a:r>
+          </a:p>
+          <a:p>
+            <a:pPr marL="742950" lvl="8" indent="-285750">
+              <a:spcBef>
+                <a:spcPts val="1000"/>
+              </a:spcBef>
+            </a:pPr>
+            <a:r>
+              <a:rPr lang="en-US" sz="2800" dirty="0">
+                <a:solidFill>
+                  <a:schemeClr val="dk1"/>
+                </a:solidFill>
+                <a:latin typeface="Helvetica Neue"/>
+                <a:ea typeface="Helvetica Neue"/>
+                <a:cs typeface="Helvetica Neue"/>
+                <a:sym typeface="Helvetica Neue"/>
+              </a:rPr>
+              <a:t>Compressed format public key</a:t>
+            </a:r>
+          </a:p>
+          <a:p>
+            <a:pPr marL="742950" lvl="8" indent="-285750">
+              <a:spcBef>
+                <a:spcPts val="1000"/>
+              </a:spcBef>
+            </a:pPr>
+            <a:endParaRPr lang="en-US" sz="2800" dirty="0">
+              <a:solidFill>
+                <a:schemeClr val="dk1"/>
+              </a:solidFill>
+              <a:latin typeface="Helvetica Neue"/>
+              <a:ea typeface="Helvetica Neue"/>
+              <a:cs typeface="Helvetica Neue"/>
+              <a:sym typeface="Helvetica Neue"/>
+            </a:endParaRPr>
+          </a:p>
+          <a:p>
+            <a:endParaRPr lang="en-US" dirty="0"/>
+          </a:p>
+        </p:txBody>
+      </p:sp>
+      <p:sp>
+        <p:nvSpPr>
+          <p:cNvPr id="5" name="Google Shape;64;p14">
+            <a:extLst>
+              <a:ext uri="{FF2B5EF4-FFF2-40B4-BE49-F238E27FC236}">
+                <a16:creationId xmlns:a16="http://schemas.microsoft.com/office/drawing/2014/main" id="{0D63DB4D-AAF6-554C-BD5A-F85226293045}"/>
+              </a:ext>
+            </a:extLst>
+          </p:cNvPr>
+          <p:cNvSpPr txBox="1"/>
+          <p:nvPr/>
+        </p:nvSpPr>
+        <p:spPr>
+          <a:xfrm>
+            <a:off x="1778734" y="6356350"/>
+            <a:ext cx="2459100" cy="315000"/>
+          </a:xfrm>
+          <a:prstGeom prst="rect">
+            <a:avLst/>
+          </a:prstGeom>
+          <a:noFill/>
+          <a:ln>
+            <a:noFill/>
+          </a:ln>
+        </p:spPr>
+        <p:txBody>
+          <a:bodyPr spcFirstLastPara="1" wrap="square" lIns="91425" tIns="91425" rIns="91425" bIns="91425" anchor="t" anchorCtr="0">
+            <a:noAutofit/>
+          </a:bodyPr>
+          <a:lstStyle/>
+          <a:p>
+            <a:pPr marL="0" marR="0" lvl="0" indent="0" algn="ctr" defTabSz="914400" rtl="0" eaLnBrk="1" fontAlgn="auto" latinLnBrk="0" hangingPunct="1">
+              <a:lnSpc>
+                <a:spcPct val="100000"/>
+              </a:lnSpc>
+              <a:spcBef>
+                <a:spcPts val="0"/>
+              </a:spcBef>
+              <a:spcAft>
+                <a:spcPts val="0"/>
+              </a:spcAft>
+              <a:buClr>
+                <a:srgbClr val="000000"/>
+              </a:buClr>
+              <a:buSzTx/>
+              <a:buFont typeface="Arial"/>
+              <a:buNone/>
+              <a:tabLst/>
+              <a:defRPr/>
+            </a:pPr>
+            <a:r>
+              <a:rPr kumimoji="0" lang="en" sz="800" b="0" i="0" u="none" strike="noStrike" kern="0" cap="none" spc="0" normalizeH="0" baseline="0" noProof="0" dirty="0">
+                <a:ln>
+                  <a:noFill/>
+                </a:ln>
+                <a:solidFill>
+                  <a:srgbClr val="000000"/>
+                </a:solidFill>
+                <a:effectLst/>
+                <a:uLnTx/>
+                <a:uFillTx/>
+                <a:latin typeface="Helvetica Neue"/>
+                <a:ea typeface="Helvetica Neue"/>
+                <a:cs typeface="Helvetica Neue"/>
+                <a:sym typeface="Helvetica Neue"/>
+              </a:rPr>
+              <a:t>Cryptocurrency Design and Engineering Fall 2025</a:t>
+            </a:r>
+            <a:endParaRPr kumimoji="0" sz="800" b="0" i="0" u="none" strike="noStrike" kern="0" cap="none" spc="0" normalizeH="0" baseline="0" noProof="0" dirty="0">
+              <a:ln>
+                <a:noFill/>
+              </a:ln>
+              <a:solidFill>
+                <a:srgbClr val="000000"/>
+              </a:solidFill>
+              <a:effectLst/>
+              <a:uLnTx/>
+              <a:uFillTx/>
+              <a:latin typeface="Helvetica Neue"/>
+              <a:ea typeface="Helvetica Neue"/>
+              <a:cs typeface="Helvetica Neue"/>
+              <a:sym typeface="Helvetica Neue"/>
+            </a:endParaRPr>
+          </a:p>
+        </p:txBody>
+      </p:sp>
+      <p:pic>
+        <p:nvPicPr>
+          <p:cNvPr id="6" name="Google Shape;66;p14">
+            <a:extLst>
+              <a:ext uri="{FF2B5EF4-FFF2-40B4-BE49-F238E27FC236}">
+                <a16:creationId xmlns:a16="http://schemas.microsoft.com/office/drawing/2014/main" id="{4AC8F7E8-2B22-F999-B44A-664100D2253E}"/>
+              </a:ext>
+            </a:extLst>
+          </p:cNvPr>
+          <p:cNvPicPr preferRelativeResize="0"/>
+          <p:nvPr/>
+        </p:nvPicPr>
+        <p:blipFill>
+          <a:blip r:embed="rId2">
+            <a:alphaModFix/>
+          </a:blip>
+          <a:stretch>
+            <a:fillRect/>
+          </a:stretch>
+        </p:blipFill>
+        <p:spPr>
+          <a:xfrm>
+            <a:off x="262634" y="6344513"/>
+            <a:ext cx="762703" cy="250117"/>
+          </a:xfrm>
+          <a:prstGeom prst="rect">
+            <a:avLst/>
+          </a:prstGeom>
+          <a:noFill/>
+          <a:ln>
+            <a:noFill/>
+          </a:ln>
+        </p:spPr>
+      </p:pic>
+      <p:pic>
+        <p:nvPicPr>
+          <p:cNvPr id="7" name="Google Shape;67;p14" title="as_bas_CONT.jpg">
+            <a:extLst>
+              <a:ext uri="{FF2B5EF4-FFF2-40B4-BE49-F238E27FC236}">
+                <a16:creationId xmlns:a16="http://schemas.microsoft.com/office/drawing/2014/main" id="{4A8AA527-3207-AD30-BBAD-4CFC123A28EA}"/>
+              </a:ext>
+            </a:extLst>
+          </p:cNvPr>
+          <p:cNvPicPr preferRelativeResize="0"/>
+          <p:nvPr/>
+        </p:nvPicPr>
+        <p:blipFill>
+          <a:blip r:embed="rId3">
+            <a:alphaModFix/>
+          </a:blip>
+          <a:stretch>
+            <a:fillRect/>
+          </a:stretch>
+        </p:blipFill>
+        <p:spPr>
+          <a:xfrm>
+            <a:off x="1135470" y="6433107"/>
+            <a:ext cx="643264" cy="161524"/>
+          </a:xfrm>
+          <a:prstGeom prst="rect">
+            <a:avLst/>
+          </a:prstGeom>
+          <a:noFill/>
+          <a:ln>
+            <a:noFill/>
+          </a:ln>
+        </p:spPr>
+      </p:pic>
+    </p:spTree>
+    <p:extLst>
+      <p:ext uri="{BB962C8B-B14F-4D97-AF65-F5344CB8AC3E}">
+        <p14:creationId xmlns:p14="http://schemas.microsoft.com/office/powerpoint/2010/main" val="1993551436"/>
+      </p:ext>
+    </p:extLst>
+  </p:cSld>
+  <p:clrMapOvr>
+    <a:masterClrMapping/>
+  </p:clrMapOvr>
+</p:sld>
+</file>
+
+<file path=ppt/slides/slide11.xml><?xml version="1.0" encoding="utf-8"?>
+<p:sld xmlns:a="http://schemas.openxmlformats.org/drawingml/2006/main" xmlns:r="http://schemas.openxmlformats.org/officeDocument/2006/relationships" xmlns:p="http://schemas.openxmlformats.org/presentationml/2006/main">
+  <p:cSld>
+    <p:spTree>
+      <p:nvGrpSpPr>
+        <p:cNvPr id="1" name="">
+          <a:extLst>
+            <a:ext uri="{FF2B5EF4-FFF2-40B4-BE49-F238E27FC236}">
               <a16:creationId xmlns:a16="http://schemas.microsoft.com/office/drawing/2014/main" id="{42788655-9591-3AF9-89B2-F1A4AA24EC1E}"/>
             </a:ext>
           </a:extLst>
@@ -4468,7 +4850,7 @@
 </p:sld>
 </file>
 
-<file path=ppt/slides/slide11.xml><?xml version="1.0" encoding="utf-8"?>
+<file path=ppt/slides/slide12.xml><?xml version="1.0" encoding="utf-8"?>
 <p:sld xmlns:a="http://schemas.openxmlformats.org/drawingml/2006/main" xmlns:r="http://schemas.openxmlformats.org/officeDocument/2006/relationships" xmlns:p="http://schemas.openxmlformats.org/presentationml/2006/main">
   <p:cSld>
     <p:spTree>
@@ -4761,7 +5143,7 @@
 </p:sld>
 </file>
 
-<file path=ppt/slides/slide12.xml><?xml version="1.0" encoding="utf-8"?>
+<file path=ppt/slides/slide13.xml><?xml version="1.0" encoding="utf-8"?>
 <p:sld xmlns:a="http://schemas.openxmlformats.org/drawingml/2006/main" xmlns:r="http://schemas.openxmlformats.org/officeDocument/2006/relationships" xmlns:p="http://schemas.openxmlformats.org/presentationml/2006/main">
   <p:cSld>
     <p:spTree>
@@ -5037,7 +5419,7 @@
 </p:sld>
 </file>
 
-<file path=ppt/slides/slide13.xml><?xml version="1.0" encoding="utf-8"?>
+<file path=ppt/slides/slide14.xml><?xml version="1.0" encoding="utf-8"?>
 <p:sld xmlns:a="http://schemas.openxmlformats.org/drawingml/2006/main" xmlns:r="http://schemas.openxmlformats.org/officeDocument/2006/relationships" xmlns:p="http://schemas.openxmlformats.org/presentationml/2006/main">
   <p:cSld>
     <p:spTree>
@@ -7029,7 +7411,34 @@
             </a:r>
           </a:p>
           <a:p>
-            <a:endParaRPr lang="en-US" dirty="0"/>
+            <a:r>
+              <a:rPr lang="en-US" dirty="0"/>
+              <a:t>Patent free</a:t>
+            </a:r>
+          </a:p>
+          <a:p>
+            <a:r>
+              <a:rPr lang="en-US" dirty="0"/>
+              <a:t>Capitol letters will represent a Point on the curve</a:t>
+            </a:r>
+          </a:p>
+          <a:p>
+            <a:r>
+              <a:rPr lang="en-US" dirty="0"/>
+              <a:t>Lower Case letters represent a scaler</a:t>
+            </a:r>
+          </a:p>
+          <a:p>
+            <a:r>
+              <a:rPr lang="en-US" dirty="0"/>
+              <a:t>P+Q-R = 0</a:t>
+            </a:r>
+          </a:p>
+          <a:p>
+            <a:r>
+              <a:rPr lang="en-US" dirty="0"/>
+              <a:t>P+Q = -R</a:t>
+            </a:r>
           </a:p>
         </p:txBody>
       </p:sp>
@@ -7187,6 +7596,181 @@
           </a:ln>
         </p:spPr>
       </p:pic>
+      <p:pic>
+        <p:nvPicPr>
+          <p:cNvPr id="8" name="Picture 7" descr="A graph of a function&#10;&#10;AI-generated content may be incorrect.">
+            <a:extLst>
+              <a:ext uri="{FF2B5EF4-FFF2-40B4-BE49-F238E27FC236}">
+                <a16:creationId xmlns:a16="http://schemas.microsoft.com/office/drawing/2014/main" id="{8B2F82B3-5086-873C-3B21-60C971BC7B94}"/>
+              </a:ext>
+            </a:extLst>
+          </p:cNvPr>
+          <p:cNvPicPr>
+            <a:picLocks noChangeAspect="1"/>
+          </p:cNvPicPr>
+          <p:nvPr/>
+        </p:nvPicPr>
+        <p:blipFill>
+          <a:blip r:embed="rId4"/>
+          <a:stretch>
+            <a:fillRect/>
+          </a:stretch>
+        </p:blipFill>
+        <p:spPr>
+          <a:xfrm>
+            <a:off x="8600172" y="939746"/>
+            <a:ext cx="3301261" cy="3316943"/>
+          </a:xfrm>
+          <a:prstGeom prst="rect">
+            <a:avLst/>
+          </a:prstGeom>
+        </p:spPr>
+      </p:pic>
+      <p:sp>
+        <p:nvSpPr>
+          <p:cNvPr id="9" name="Rectangle 8">
+            <a:extLst>
+              <a:ext uri="{FF2B5EF4-FFF2-40B4-BE49-F238E27FC236}">
+                <a16:creationId xmlns:a16="http://schemas.microsoft.com/office/drawing/2014/main" id="{7C5AE7EA-324A-F0C9-4AF6-F327838B3CC7}"/>
+              </a:ext>
+            </a:extLst>
+          </p:cNvPr>
+          <p:cNvSpPr/>
+          <p:nvPr/>
+        </p:nvSpPr>
+        <p:spPr>
+          <a:xfrm>
+            <a:off x="11235559" y="3297620"/>
+            <a:ext cx="665874" cy="223345"/>
+          </a:xfrm>
+          <a:prstGeom prst="rect">
+            <a:avLst/>
+          </a:prstGeom>
+          <a:solidFill>
+            <a:schemeClr val="bg1">
+              <a:lumMod val="75000"/>
+            </a:schemeClr>
+          </a:solidFill>
+          <a:ln>
+            <a:solidFill>
+              <a:schemeClr val="bg1">
+                <a:lumMod val="75000"/>
+              </a:schemeClr>
+            </a:solidFill>
+          </a:ln>
+        </p:spPr>
+        <p:style>
+          <a:lnRef idx="2">
+            <a:schemeClr val="accent1">
+              <a:shade val="15000"/>
+            </a:schemeClr>
+          </a:lnRef>
+          <a:fillRef idx="1">
+            <a:schemeClr val="accent1"/>
+          </a:fillRef>
+          <a:effectRef idx="0">
+            <a:schemeClr val="accent1"/>
+          </a:effectRef>
+          <a:fontRef idx="minor">
+            <a:schemeClr val="lt1"/>
+          </a:fontRef>
+        </p:style>
+        <p:txBody>
+          <a:bodyPr rtlCol="0" anchor="ctr"/>
+          <a:lstStyle/>
+          <a:p>
+            <a:pPr algn="ctr"/>
+            <a:endParaRPr lang="en-US"/>
+          </a:p>
+        </p:txBody>
+      </p:sp>
+      <p:sp>
+        <p:nvSpPr>
+          <p:cNvPr id="10" name="TextBox 9">
+            <a:extLst>
+              <a:ext uri="{FF2B5EF4-FFF2-40B4-BE49-F238E27FC236}">
+                <a16:creationId xmlns:a16="http://schemas.microsoft.com/office/drawing/2014/main" id="{890D0A63-FCA1-7BEA-A0BE-1F9E921830B3}"/>
+              </a:ext>
+            </a:extLst>
+          </p:cNvPr>
+          <p:cNvSpPr txBox="1"/>
+          <p:nvPr/>
+        </p:nvSpPr>
+        <p:spPr>
+          <a:xfrm>
+            <a:off x="8600172" y="4323479"/>
+            <a:ext cx="3775992" cy="507831"/>
+          </a:xfrm>
+          <a:prstGeom prst="rect">
+            <a:avLst/>
+          </a:prstGeom>
+          <a:noFill/>
+        </p:spPr>
+        <p:txBody>
+          <a:bodyPr wrap="square" rtlCol="0">
+            <a:spAutoFit/>
+          </a:bodyPr>
+          <a:lstStyle/>
+          <a:p>
+            <a:r>
+              <a:rPr lang="en-US" sz="900" i="1" dirty="0" err="1">
+                <a:latin typeface="Helvetica Neue" panose="02000503000000020004" pitchFamily="2" charset="0"/>
+                <a:ea typeface="Helvetica Neue" panose="02000503000000020004" pitchFamily="2" charset="0"/>
+                <a:cs typeface="Helvetica Neue" panose="02000503000000020004" pitchFamily="2" charset="0"/>
+              </a:rPr>
+              <a:t>Tadge</a:t>
+            </a:r>
+            <a:r>
+              <a:rPr lang="en-US" sz="900" i="1" dirty="0">
+                <a:latin typeface="Helvetica Neue" panose="02000503000000020004" pitchFamily="2" charset="0"/>
+                <a:ea typeface="Helvetica Neue" panose="02000503000000020004" pitchFamily="2" charset="0"/>
+                <a:cs typeface="Helvetica Neue" panose="02000503000000020004" pitchFamily="2" charset="0"/>
+              </a:rPr>
+              <a:t> Dryja. Cryptocurrency Engineering and Design. 2018. </a:t>
+            </a:r>
+            <a:r>
+              <a:rPr lang="en-US" sz="900" dirty="0">
+                <a:latin typeface="Helvetica Neue" panose="02000503000000020004" pitchFamily="2" charset="0"/>
+                <a:ea typeface="Helvetica Neue" panose="02000503000000020004" pitchFamily="2" charset="0"/>
+                <a:cs typeface="Helvetica Neue" panose="02000503000000020004" pitchFamily="2" charset="0"/>
+              </a:rPr>
+              <a:t>Massachusetts Institute of Technology: MIT </a:t>
+            </a:r>
+            <a:r>
+              <a:rPr lang="en-US" sz="900" dirty="0" err="1">
+                <a:latin typeface="Helvetica Neue" panose="02000503000000020004" pitchFamily="2" charset="0"/>
+                <a:ea typeface="Helvetica Neue" panose="02000503000000020004" pitchFamily="2" charset="0"/>
+                <a:cs typeface="Helvetica Neue" panose="02000503000000020004" pitchFamily="2" charset="0"/>
+              </a:rPr>
+              <a:t>OpenCouseWare</a:t>
+            </a:r>
+            <a:r>
+              <a:rPr lang="en-US" sz="900" dirty="0">
+                <a:latin typeface="Helvetica Neue" panose="02000503000000020004" pitchFamily="2" charset="0"/>
+                <a:ea typeface="Helvetica Neue" panose="02000503000000020004" pitchFamily="2" charset="0"/>
+                <a:cs typeface="Helvetica Neue" panose="02000503000000020004" pitchFamily="2" charset="0"/>
+              </a:rPr>
+              <a:t>, https://</a:t>
+            </a:r>
+            <a:r>
+              <a:rPr lang="en-US" sz="900" dirty="0" err="1">
+                <a:latin typeface="Helvetica Neue" panose="02000503000000020004" pitchFamily="2" charset="0"/>
+                <a:ea typeface="Helvetica Neue" panose="02000503000000020004" pitchFamily="2" charset="0"/>
+                <a:cs typeface="Helvetica Neue" panose="02000503000000020004" pitchFamily="2" charset="0"/>
+              </a:rPr>
+              <a:t>ocw.mit.edu</a:t>
+            </a:r>
+            <a:r>
+              <a:rPr lang="en-US" sz="900" dirty="0">
+                <a:latin typeface="Helvetica Neue" panose="02000503000000020004" pitchFamily="2" charset="0"/>
+                <a:ea typeface="Helvetica Neue" panose="02000503000000020004" pitchFamily="2" charset="0"/>
+                <a:cs typeface="Helvetica Neue" panose="02000503000000020004" pitchFamily="2" charset="0"/>
+              </a:rPr>
+              <a:t>/. License: Creative Commons BY-NC-SA.</a:t>
+            </a:r>
+          </a:p>
+        </p:txBody>
+      </p:sp>
     </p:spTree>
     <p:extLst>
       <p:ext uri="{BB962C8B-B14F-4D97-AF65-F5344CB8AC3E}">
@@ -7201,6 +7785,326 @@
 </file>
 
 <file path=ppt/slides/slide7.xml><?xml version="1.0" encoding="utf-8"?>
+<p:sld xmlns:a="http://schemas.openxmlformats.org/drawingml/2006/main" xmlns:r="http://schemas.openxmlformats.org/officeDocument/2006/relationships" xmlns:p="http://schemas.openxmlformats.org/presentationml/2006/main">
+  <p:cSld>
+    <p:spTree>
+      <p:nvGrpSpPr>
+        <p:cNvPr id="1" name="">
+          <a:extLst>
+            <a:ext uri="{FF2B5EF4-FFF2-40B4-BE49-F238E27FC236}">
+              <a16:creationId xmlns:a16="http://schemas.microsoft.com/office/drawing/2014/main" id="{91C1776E-D19D-6FA6-BED1-1D855DCC6319}"/>
+            </a:ext>
+          </a:extLst>
+        </p:cNvPr>
+        <p:cNvGrpSpPr/>
+        <p:nvPr/>
+      </p:nvGrpSpPr>
+      <p:grpSpPr>
+        <a:xfrm>
+          <a:off x="0" y="0"/>
+          <a:ext cx="0" cy="0"/>
+          <a:chOff x="0" y="0"/>
+          <a:chExt cx="0" cy="0"/>
+        </a:xfrm>
+      </p:grpSpPr>
+      <p:sp>
+        <p:nvSpPr>
+          <p:cNvPr id="2" name="Title 1">
+            <a:extLst>
+              <a:ext uri="{FF2B5EF4-FFF2-40B4-BE49-F238E27FC236}">
+                <a16:creationId xmlns:a16="http://schemas.microsoft.com/office/drawing/2014/main" id="{B370C5AF-06DA-FA73-7776-371A509C9029}"/>
+              </a:ext>
+            </a:extLst>
+          </p:cNvPr>
+          <p:cNvSpPr>
+            <a:spLocks noGrp="1"/>
+          </p:cNvSpPr>
+          <p:nvPr>
+            <p:ph type="title"/>
+          </p:nvPr>
+        </p:nvSpPr>
+        <p:spPr/>
+        <p:txBody>
+          <a:bodyPr/>
+          <a:lstStyle/>
+          <a:p>
+            <a:r>
+              <a:rPr lang="en-US" b="1" dirty="0">
+                <a:latin typeface="Helvetica Neue" panose="02000503000000020004" pitchFamily="2" charset="0"/>
+                <a:ea typeface="Helvetica Neue" panose="02000503000000020004" pitchFamily="2" charset="0"/>
+                <a:cs typeface="Helvetica Neue" panose="02000503000000020004" pitchFamily="2" charset="0"/>
+              </a:rPr>
+              <a:t>Elliptic Curve Operations</a:t>
+            </a:r>
+          </a:p>
+        </p:txBody>
+      </p:sp>
+      <p:sp>
+        <p:nvSpPr>
+          <p:cNvPr id="3" name="Content Placeholder 2">
+            <a:extLst>
+              <a:ext uri="{FF2B5EF4-FFF2-40B4-BE49-F238E27FC236}">
+                <a16:creationId xmlns:a16="http://schemas.microsoft.com/office/drawing/2014/main" id="{4CDD3C2E-B408-F30B-9415-6FED8401D6F1}"/>
+              </a:ext>
+            </a:extLst>
+          </p:cNvPr>
+          <p:cNvSpPr>
+            <a:spLocks noGrp="1"/>
+          </p:cNvSpPr>
+          <p:nvPr>
+            <p:ph idx="1"/>
+          </p:nvPr>
+        </p:nvSpPr>
+        <p:spPr/>
+        <p:txBody>
+          <a:bodyPr/>
+          <a:lstStyle/>
+          <a:p>
+            <a:pPr marL="285750" lvl="7" indent="-285750">
+              <a:spcBef>
+                <a:spcPts val="1000"/>
+              </a:spcBef>
+            </a:pPr>
+            <a:r>
+              <a:rPr lang="en-US" sz="2800" dirty="0">
+                <a:solidFill>
+                  <a:schemeClr val="dk1"/>
+                </a:solidFill>
+                <a:latin typeface="Helvetica Neue"/>
+                <a:ea typeface="Helvetica Neue"/>
+                <a:cs typeface="Helvetica Neue"/>
+                <a:sym typeface="Helvetica Neue"/>
+              </a:rPr>
+              <a:t>A+B</a:t>
+            </a:r>
+          </a:p>
+          <a:p>
+            <a:pPr marL="285750" lvl="7" indent="-285750">
+              <a:spcBef>
+                <a:spcPts val="1000"/>
+              </a:spcBef>
+            </a:pPr>
+            <a:r>
+              <a:rPr lang="en-US" sz="2800" dirty="0">
+                <a:solidFill>
+                  <a:schemeClr val="dk1"/>
+                </a:solidFill>
+                <a:latin typeface="Helvetica Neue"/>
+                <a:ea typeface="Helvetica Neue"/>
+                <a:cs typeface="Helvetica Neue"/>
+                <a:sym typeface="Helvetica Neue"/>
+              </a:rPr>
+              <a:t>A-B</a:t>
+            </a:r>
+          </a:p>
+          <a:p>
+            <a:pPr marL="285750" lvl="7" indent="-285750">
+              <a:spcBef>
+                <a:spcPts val="1000"/>
+              </a:spcBef>
+            </a:pPr>
+            <a:r>
+              <a:rPr lang="en-US" sz="2800" dirty="0">
+                <a:solidFill>
+                  <a:schemeClr val="dk1"/>
+                </a:solidFill>
+                <a:latin typeface="Helvetica Neue"/>
+                <a:ea typeface="Helvetica Neue"/>
+                <a:cs typeface="Helvetica Neue"/>
+                <a:sym typeface="Helvetica Neue"/>
+              </a:rPr>
+              <a:t>A*b</a:t>
+            </a:r>
+          </a:p>
+          <a:p>
+            <a:pPr marL="285750" lvl="7" indent="-285750">
+              <a:spcBef>
+                <a:spcPts val="1000"/>
+              </a:spcBef>
+            </a:pPr>
+            <a:r>
+              <a:rPr lang="en-US" sz="2800" dirty="0">
+                <a:solidFill>
+                  <a:schemeClr val="dk1"/>
+                </a:solidFill>
+                <a:latin typeface="Helvetica Neue"/>
+                <a:ea typeface="Helvetica Neue"/>
+                <a:cs typeface="Helvetica Neue"/>
+                <a:sym typeface="Helvetica Neue"/>
+              </a:rPr>
+              <a:t>A/b</a:t>
+            </a:r>
+          </a:p>
+        </p:txBody>
+      </p:sp>
+      <p:sp>
+        <p:nvSpPr>
+          <p:cNvPr id="5" name="Google Shape;64;p14">
+            <a:extLst>
+              <a:ext uri="{FF2B5EF4-FFF2-40B4-BE49-F238E27FC236}">
+                <a16:creationId xmlns:a16="http://schemas.microsoft.com/office/drawing/2014/main" id="{5D29AB71-A0B6-553C-460C-90B3BEC143C7}"/>
+              </a:ext>
+            </a:extLst>
+          </p:cNvPr>
+          <p:cNvSpPr txBox="1"/>
+          <p:nvPr/>
+        </p:nvSpPr>
+        <p:spPr>
+          <a:xfrm>
+            <a:off x="1778734" y="6356350"/>
+            <a:ext cx="2459100" cy="315000"/>
+          </a:xfrm>
+          <a:prstGeom prst="rect">
+            <a:avLst/>
+          </a:prstGeom>
+          <a:noFill/>
+          <a:ln>
+            <a:noFill/>
+          </a:ln>
+        </p:spPr>
+        <p:txBody>
+          <a:bodyPr spcFirstLastPara="1" wrap="square" lIns="91425" tIns="91425" rIns="91425" bIns="91425" anchor="t" anchorCtr="0">
+            <a:noAutofit/>
+          </a:bodyPr>
+          <a:lstStyle/>
+          <a:p>
+            <a:pPr marL="0" marR="0" lvl="0" indent="0" algn="ctr" defTabSz="914400" rtl="0" eaLnBrk="1" fontAlgn="auto" latinLnBrk="0" hangingPunct="1">
+              <a:lnSpc>
+                <a:spcPct val="100000"/>
+              </a:lnSpc>
+              <a:spcBef>
+                <a:spcPts val="0"/>
+              </a:spcBef>
+              <a:spcAft>
+                <a:spcPts val="0"/>
+              </a:spcAft>
+              <a:buClr>
+                <a:srgbClr val="000000"/>
+              </a:buClr>
+              <a:buSzTx/>
+              <a:buFont typeface="Arial"/>
+              <a:buNone/>
+              <a:tabLst/>
+              <a:defRPr/>
+            </a:pPr>
+            <a:r>
+              <a:rPr kumimoji="0" lang="en" sz="800" b="0" i="0" u="none" strike="noStrike" kern="0" cap="none" spc="0" normalizeH="0" baseline="0" noProof="0" dirty="0">
+                <a:ln>
+                  <a:noFill/>
+                </a:ln>
+                <a:solidFill>
+                  <a:srgbClr val="000000"/>
+                </a:solidFill>
+                <a:effectLst/>
+                <a:uLnTx/>
+                <a:uFillTx/>
+                <a:latin typeface="Helvetica Neue"/>
+                <a:ea typeface="Helvetica Neue"/>
+                <a:cs typeface="Helvetica Neue"/>
+                <a:sym typeface="Helvetica Neue"/>
+              </a:rPr>
+              <a:t>Cryptocurrency Design and Engineering Fall 2025</a:t>
+            </a:r>
+            <a:endParaRPr kumimoji="0" sz="800" b="0" i="0" u="none" strike="noStrike" kern="0" cap="none" spc="0" normalizeH="0" baseline="0" noProof="0" dirty="0">
+              <a:ln>
+                <a:noFill/>
+              </a:ln>
+              <a:solidFill>
+                <a:srgbClr val="000000"/>
+              </a:solidFill>
+              <a:effectLst/>
+              <a:uLnTx/>
+              <a:uFillTx/>
+              <a:latin typeface="Helvetica Neue"/>
+              <a:ea typeface="Helvetica Neue"/>
+              <a:cs typeface="Helvetica Neue"/>
+              <a:sym typeface="Helvetica Neue"/>
+            </a:endParaRPr>
+          </a:p>
+        </p:txBody>
+      </p:sp>
+      <p:pic>
+        <p:nvPicPr>
+          <p:cNvPr id="6" name="Google Shape;66;p14">
+            <a:extLst>
+              <a:ext uri="{FF2B5EF4-FFF2-40B4-BE49-F238E27FC236}">
+                <a16:creationId xmlns:a16="http://schemas.microsoft.com/office/drawing/2014/main" id="{CA30A4C7-6895-F874-4C1C-8D241282454E}"/>
+              </a:ext>
+            </a:extLst>
+          </p:cNvPr>
+          <p:cNvPicPr preferRelativeResize="0"/>
+          <p:nvPr/>
+        </p:nvPicPr>
+        <p:blipFill>
+          <a:blip r:embed="rId2">
+            <a:alphaModFix/>
+          </a:blip>
+          <a:stretch>
+            <a:fillRect/>
+          </a:stretch>
+        </p:blipFill>
+        <p:spPr>
+          <a:xfrm>
+            <a:off x="262634" y="6344513"/>
+            <a:ext cx="762703" cy="250117"/>
+          </a:xfrm>
+          <a:prstGeom prst="rect">
+            <a:avLst/>
+          </a:prstGeom>
+          <a:noFill/>
+          <a:ln>
+            <a:noFill/>
+          </a:ln>
+        </p:spPr>
+      </p:pic>
+      <p:pic>
+        <p:nvPicPr>
+          <p:cNvPr id="7" name="Google Shape;67;p14" title="as_bas_CONT.jpg">
+            <a:extLst>
+              <a:ext uri="{FF2B5EF4-FFF2-40B4-BE49-F238E27FC236}">
+                <a16:creationId xmlns:a16="http://schemas.microsoft.com/office/drawing/2014/main" id="{13DE5D65-DBA7-F552-CB2E-7669CFB8AB4F}"/>
+              </a:ext>
+            </a:extLst>
+          </p:cNvPr>
+          <p:cNvPicPr preferRelativeResize="0"/>
+          <p:nvPr/>
+        </p:nvPicPr>
+        <p:blipFill>
+          <a:blip r:embed="rId3">
+            <a:alphaModFix/>
+          </a:blip>
+          <a:stretch>
+            <a:fillRect/>
+          </a:stretch>
+        </p:blipFill>
+        <p:spPr>
+          <a:xfrm>
+            <a:off x="1135470" y="6433107"/>
+            <a:ext cx="643264" cy="161524"/>
+          </a:xfrm>
+          <a:prstGeom prst="rect">
+            <a:avLst/>
+          </a:prstGeom>
+          <a:noFill/>
+          <a:ln>
+            <a:noFill/>
+          </a:ln>
+        </p:spPr>
+      </p:pic>
+    </p:spTree>
+    <p:extLst>
+      <p:ext uri="{BB962C8B-B14F-4D97-AF65-F5344CB8AC3E}">
+        <p14:creationId xmlns:p14="http://schemas.microsoft.com/office/powerpoint/2010/main" val="2901710187"/>
+      </p:ext>
+    </p:extLst>
+  </p:cSld>
+  <p:clrMapOvr>
+    <a:masterClrMapping/>
+  </p:clrMapOvr>
+</p:sld>
+</file>
+
+<file path=ppt/slides/slide8.xml><?xml version="1.0" encoding="utf-8"?>
 <p:sld xmlns:a="http://schemas.openxmlformats.org/drawingml/2006/main" xmlns:r="http://schemas.openxmlformats.org/officeDocument/2006/relationships" xmlns:p="http://schemas.openxmlformats.org/presentationml/2006/main">
   <p:cSld>
     <p:spTree>
@@ -7273,7 +8177,9 @@
         </p:nvSpPr>
         <p:spPr/>
         <p:txBody>
-          <a:bodyPr/>
+          <a:bodyPr>
+            <a:normAutofit lnSpcReduction="10000"/>
+          </a:bodyPr>
           <a:lstStyle/>
           <a:p>
             <a:r>
@@ -7352,13 +8258,28 @@
           <a:p>
             <a:r>
               <a:rPr lang="en-US" dirty="0"/>
-              <a:t>Private key is a random integer</a:t>
+              <a:t>Private key is random integer a</a:t>
             </a:r>
           </a:p>
           <a:p>
             <a:r>
               <a:rPr lang="en-US" dirty="0"/>
-              <a:t>Public key is the private key * G</a:t>
+              <a:t>Public key is derived from the private key</a:t>
+            </a:r>
+          </a:p>
+          <a:p>
+            <a:pPr lvl="1"/>
+            <a:r>
+              <a:rPr lang="en-US" dirty="0"/>
+              <a:t>E</a:t>
+            </a:r>
+            <a:r>
+              <a:rPr lang="en-US"/>
+              <a:t> = e*</a:t>
+            </a:r>
+            <a:r>
+              <a:rPr lang="en-US" dirty="0"/>
+              <a:t>G</a:t>
             </a:r>
           </a:p>
           <a:p>
@@ -7673,7 +8594,7 @@
 </p:sld>
 </file>
 
-<file path=ppt/slides/slide8.xml><?xml version="1.0" encoding="utf-8"?>
+<file path=ppt/slides/slide9.xml><?xml version="1.0" encoding="utf-8"?>
 <p:sld xmlns:a="http://schemas.openxmlformats.org/drawingml/2006/main" xmlns:r="http://schemas.openxmlformats.org/officeDocument/2006/relationships" xmlns:p="http://schemas.openxmlformats.org/presentationml/2006/main">
   <p:cSld>
     <p:spTree>
@@ -8040,382 +8961,6 @@
     <p:extLst>
       <p:ext uri="{BB962C8B-B14F-4D97-AF65-F5344CB8AC3E}">
         <p14:creationId xmlns:p14="http://schemas.microsoft.com/office/powerpoint/2010/main" val="3123074797"/>
-      </p:ext>
-    </p:extLst>
-  </p:cSld>
-  <p:clrMapOvr>
-    <a:masterClrMapping/>
-  </p:clrMapOvr>
-</p:sld>
-</file>
-
-<file path=ppt/slides/slide9.xml><?xml version="1.0" encoding="utf-8"?>
-<p:sld xmlns:a="http://schemas.openxmlformats.org/drawingml/2006/main" xmlns:r="http://schemas.openxmlformats.org/officeDocument/2006/relationships" xmlns:p="http://schemas.openxmlformats.org/presentationml/2006/main">
-  <p:cSld>
-    <p:spTree>
-      <p:nvGrpSpPr>
-        <p:cNvPr id="1" name="">
-          <a:extLst>
-            <a:ext uri="{FF2B5EF4-FFF2-40B4-BE49-F238E27FC236}">
-              <a16:creationId xmlns:a16="http://schemas.microsoft.com/office/drawing/2014/main" id="{59375970-ACFF-447D-4A03-0B9D203594E5}"/>
-            </a:ext>
-          </a:extLst>
-        </p:cNvPr>
-        <p:cNvGrpSpPr/>
-        <p:nvPr/>
-      </p:nvGrpSpPr>
-      <p:grpSpPr>
-        <a:xfrm>
-          <a:off x="0" y="0"/>
-          <a:ext cx="0" cy="0"/>
-          <a:chOff x="0" y="0"/>
-          <a:chExt cx="0" cy="0"/>
-        </a:xfrm>
-      </p:grpSpPr>
-      <p:sp>
-        <p:nvSpPr>
-          <p:cNvPr id="2" name="Title 1">
-            <a:extLst>
-              <a:ext uri="{FF2B5EF4-FFF2-40B4-BE49-F238E27FC236}">
-                <a16:creationId xmlns:a16="http://schemas.microsoft.com/office/drawing/2014/main" id="{6E3AB8A1-F6E3-E613-3303-F5C750A5F04B}"/>
-              </a:ext>
-            </a:extLst>
-          </p:cNvPr>
-          <p:cNvSpPr>
-            <a:spLocks noGrp="1"/>
-          </p:cNvSpPr>
-          <p:nvPr>
-            <p:ph type="title"/>
-          </p:nvPr>
-        </p:nvSpPr>
-        <p:spPr/>
-        <p:txBody>
-          <a:bodyPr/>
-          <a:lstStyle/>
-          <a:p>
-            <a:r>
-              <a:rPr lang="en-US" b="1" dirty="0">
-                <a:latin typeface="Helvetica Neue" panose="02000503000000020004" pitchFamily="2" charset="0"/>
-                <a:ea typeface="Helvetica Neue" panose="02000503000000020004" pitchFamily="2" charset="0"/>
-                <a:cs typeface="Helvetica Neue" panose="02000503000000020004" pitchFamily="2" charset="0"/>
-              </a:rPr>
-              <a:t>Exercise 1</a:t>
-            </a:r>
-          </a:p>
-        </p:txBody>
-      </p:sp>
-      <p:sp>
-        <p:nvSpPr>
-          <p:cNvPr id="3" name="Content Placeholder 2">
-            <a:extLst>
-              <a:ext uri="{FF2B5EF4-FFF2-40B4-BE49-F238E27FC236}">
-                <a16:creationId xmlns:a16="http://schemas.microsoft.com/office/drawing/2014/main" id="{BBDBDE47-E831-1030-9BD4-153D63BF0741}"/>
-              </a:ext>
-            </a:extLst>
-          </p:cNvPr>
-          <p:cNvSpPr>
-            <a:spLocks noGrp="1"/>
-          </p:cNvSpPr>
-          <p:nvPr>
-            <p:ph idx="1"/>
-          </p:nvPr>
-        </p:nvSpPr>
-        <p:spPr/>
-        <p:txBody>
-          <a:bodyPr/>
-          <a:lstStyle/>
-          <a:p>
-            <a:pPr marL="285750" lvl="7" indent="-285750">
-              <a:spcBef>
-                <a:spcPts val="1000"/>
-              </a:spcBef>
-            </a:pPr>
-            <a:r>
-              <a:rPr lang="en-US" sz="2800" dirty="0">
-                <a:solidFill>
-                  <a:schemeClr val="dk1"/>
-                </a:solidFill>
-                <a:latin typeface="Helvetica Neue"/>
-                <a:ea typeface="Helvetica Neue"/>
-                <a:cs typeface="Helvetica Neue"/>
-                <a:sym typeface="Helvetica Neue"/>
-              </a:rPr>
-              <a:t>Create a Public/Private key pair</a:t>
-            </a:r>
-          </a:p>
-          <a:p>
-            <a:pPr marL="285750" lvl="7" indent="-285750">
-              <a:spcBef>
-                <a:spcPts val="1000"/>
-              </a:spcBef>
-            </a:pPr>
-            <a:r>
-              <a:rPr lang="en-US" sz="2800" dirty="0">
-                <a:solidFill>
-                  <a:schemeClr val="dk1"/>
-                </a:solidFill>
-                <a:latin typeface="Helvetica Neue"/>
-                <a:ea typeface="Helvetica Neue"/>
-                <a:cs typeface="Helvetica Neue"/>
-                <a:sym typeface="Helvetica Neue"/>
-              </a:rPr>
-              <a:t>Sign a message</a:t>
-            </a:r>
-          </a:p>
-          <a:p>
-            <a:pPr marL="742950" lvl="8" indent="-285750">
-              <a:spcBef>
-                <a:spcPts val="1000"/>
-              </a:spcBef>
-            </a:pPr>
-            <a:r>
-              <a:rPr lang="en-US" sz="2800" dirty="0">
-                <a:solidFill>
-                  <a:schemeClr val="dk1"/>
-                </a:solidFill>
-                <a:latin typeface="Helvetica Neue"/>
-                <a:ea typeface="Helvetica Neue"/>
-                <a:cs typeface="Helvetica Neue"/>
-              </a:rPr>
-              <a:t>hashlib.sha256(b"").digest().hex()</a:t>
-            </a:r>
-          </a:p>
-          <a:p>
-            <a:pPr marL="285750" lvl="7" indent="-285750">
-              <a:spcBef>
-                <a:spcPts val="1000"/>
-              </a:spcBef>
-            </a:pPr>
-            <a:r>
-              <a:rPr lang="en-US" sz="2800" dirty="0">
-                <a:solidFill>
-                  <a:schemeClr val="dk1"/>
-                </a:solidFill>
-                <a:latin typeface="Helvetica Neue"/>
-                <a:ea typeface="Helvetica Neue"/>
-                <a:cs typeface="Helvetica Neue"/>
-                <a:sym typeface="Helvetica Neue"/>
-              </a:rPr>
-              <a:t>Output your public key and signed message</a:t>
-            </a:r>
-          </a:p>
-          <a:p>
-            <a:pPr marL="742950" lvl="8" indent="-285750">
-              <a:spcBef>
-                <a:spcPts val="1000"/>
-              </a:spcBef>
-            </a:pPr>
-            <a:r>
-              <a:rPr lang="en-US" sz="2800" dirty="0">
-                <a:solidFill>
-                  <a:schemeClr val="dk1"/>
-                </a:solidFill>
-                <a:latin typeface="Helvetica Neue"/>
-                <a:ea typeface="Helvetica Neue"/>
-                <a:cs typeface="Helvetica Neue"/>
-                <a:sym typeface="Helvetica Neue"/>
-              </a:rPr>
-              <a:t>All hex characters</a:t>
-            </a:r>
-          </a:p>
-          <a:p>
-            <a:pPr marL="742950" lvl="8" indent="-285750">
-              <a:spcBef>
-                <a:spcPts val="1000"/>
-              </a:spcBef>
-            </a:pPr>
-            <a:r>
-              <a:rPr lang="en-US" sz="2800" dirty="0">
-                <a:solidFill>
-                  <a:schemeClr val="dk1"/>
-                </a:solidFill>
-                <a:latin typeface="Helvetica Neue"/>
-                <a:ea typeface="Helvetica Neue"/>
-                <a:cs typeface="Helvetica Neue"/>
-                <a:sym typeface="Helvetica Neue"/>
-              </a:rPr>
-              <a:t>Compressed format public key</a:t>
-            </a:r>
-          </a:p>
-          <a:p>
-            <a:pPr marL="742950" lvl="8" indent="-285750">
-              <a:spcBef>
-                <a:spcPts val="1000"/>
-              </a:spcBef>
-            </a:pPr>
-            <a:endParaRPr lang="en-US" sz="2800" dirty="0">
-              <a:solidFill>
-                <a:schemeClr val="dk1"/>
-              </a:solidFill>
-              <a:latin typeface="Helvetica Neue"/>
-              <a:ea typeface="Helvetica Neue"/>
-              <a:cs typeface="Helvetica Neue"/>
-              <a:sym typeface="Helvetica Neue"/>
-            </a:endParaRPr>
-          </a:p>
-          <a:p>
-            <a:endParaRPr lang="en-US" dirty="0"/>
-          </a:p>
-        </p:txBody>
-      </p:sp>
-      <p:sp>
-        <p:nvSpPr>
-          <p:cNvPr id="5" name="Google Shape;64;p14">
-            <a:extLst>
-              <a:ext uri="{FF2B5EF4-FFF2-40B4-BE49-F238E27FC236}">
-                <a16:creationId xmlns:a16="http://schemas.microsoft.com/office/drawing/2014/main" id="{0D63DB4D-AAF6-554C-BD5A-F85226293045}"/>
-              </a:ext>
-            </a:extLst>
-          </p:cNvPr>
-          <p:cNvSpPr txBox="1"/>
-          <p:nvPr/>
-        </p:nvSpPr>
-        <p:spPr>
-          <a:xfrm>
-            <a:off x="1778734" y="6356350"/>
-            <a:ext cx="2459100" cy="315000"/>
-          </a:xfrm>
-          <a:prstGeom prst="rect">
-            <a:avLst/>
-          </a:prstGeom>
-          <a:noFill/>
-          <a:ln>
-            <a:noFill/>
-          </a:ln>
-        </p:spPr>
-        <p:txBody>
-          <a:bodyPr spcFirstLastPara="1" wrap="square" lIns="91425" tIns="91425" rIns="91425" bIns="91425" anchor="t" anchorCtr="0">
-            <a:noAutofit/>
-          </a:bodyPr>
-          <a:lstStyle/>
-          <a:p>
-            <a:pPr marL="0" marR="0" lvl="0" indent="0" algn="ctr" defTabSz="914400" rtl="0" eaLnBrk="1" fontAlgn="auto" latinLnBrk="0" hangingPunct="1">
-              <a:lnSpc>
-                <a:spcPct val="100000"/>
-              </a:lnSpc>
-              <a:spcBef>
-                <a:spcPts val="0"/>
-              </a:spcBef>
-              <a:spcAft>
-                <a:spcPts val="0"/>
-              </a:spcAft>
-              <a:buClr>
-                <a:srgbClr val="000000"/>
-              </a:buClr>
-              <a:buSzTx/>
-              <a:buFont typeface="Arial"/>
-              <a:buNone/>
-              <a:tabLst/>
-              <a:defRPr/>
-            </a:pPr>
-            <a:r>
-              <a:rPr kumimoji="0" lang="en" sz="800" b="0" i="0" u="none" strike="noStrike" kern="0" cap="none" spc="0" normalizeH="0" baseline="0" noProof="0" dirty="0">
-                <a:ln>
-                  <a:noFill/>
-                </a:ln>
-                <a:solidFill>
-                  <a:srgbClr val="000000"/>
-                </a:solidFill>
-                <a:effectLst/>
-                <a:uLnTx/>
-                <a:uFillTx/>
-                <a:latin typeface="Helvetica Neue"/>
-                <a:ea typeface="Helvetica Neue"/>
-                <a:cs typeface="Helvetica Neue"/>
-                <a:sym typeface="Helvetica Neue"/>
-              </a:rPr>
-              <a:t>Cryptocurrency Design and Engineering Fall 2025</a:t>
-            </a:r>
-            <a:endParaRPr kumimoji="0" sz="800" b="0" i="0" u="none" strike="noStrike" kern="0" cap="none" spc="0" normalizeH="0" baseline="0" noProof="0" dirty="0">
-              <a:ln>
-                <a:noFill/>
-              </a:ln>
-              <a:solidFill>
-                <a:srgbClr val="000000"/>
-              </a:solidFill>
-              <a:effectLst/>
-              <a:uLnTx/>
-              <a:uFillTx/>
-              <a:latin typeface="Helvetica Neue"/>
-              <a:ea typeface="Helvetica Neue"/>
-              <a:cs typeface="Helvetica Neue"/>
-              <a:sym typeface="Helvetica Neue"/>
-            </a:endParaRPr>
-          </a:p>
-        </p:txBody>
-      </p:sp>
-      <p:pic>
-        <p:nvPicPr>
-          <p:cNvPr id="6" name="Google Shape;66;p14">
-            <a:extLst>
-              <a:ext uri="{FF2B5EF4-FFF2-40B4-BE49-F238E27FC236}">
-                <a16:creationId xmlns:a16="http://schemas.microsoft.com/office/drawing/2014/main" id="{4AC8F7E8-2B22-F999-B44A-664100D2253E}"/>
-              </a:ext>
-            </a:extLst>
-          </p:cNvPr>
-          <p:cNvPicPr preferRelativeResize="0"/>
-          <p:nvPr/>
-        </p:nvPicPr>
-        <p:blipFill>
-          <a:blip r:embed="rId2">
-            <a:alphaModFix/>
-          </a:blip>
-          <a:stretch>
-            <a:fillRect/>
-          </a:stretch>
-        </p:blipFill>
-        <p:spPr>
-          <a:xfrm>
-            <a:off x="262634" y="6344513"/>
-            <a:ext cx="762703" cy="250117"/>
-          </a:xfrm>
-          <a:prstGeom prst="rect">
-            <a:avLst/>
-          </a:prstGeom>
-          <a:noFill/>
-          <a:ln>
-            <a:noFill/>
-          </a:ln>
-        </p:spPr>
-      </p:pic>
-      <p:pic>
-        <p:nvPicPr>
-          <p:cNvPr id="7" name="Google Shape;67;p14" title="as_bas_CONT.jpg">
-            <a:extLst>
-              <a:ext uri="{FF2B5EF4-FFF2-40B4-BE49-F238E27FC236}">
-                <a16:creationId xmlns:a16="http://schemas.microsoft.com/office/drawing/2014/main" id="{4A8AA527-3207-AD30-BBAD-4CFC123A28EA}"/>
-              </a:ext>
-            </a:extLst>
-          </p:cNvPr>
-          <p:cNvPicPr preferRelativeResize="0"/>
-          <p:nvPr/>
-        </p:nvPicPr>
-        <p:blipFill>
-          <a:blip r:embed="rId3">
-            <a:alphaModFix/>
-          </a:blip>
-          <a:stretch>
-            <a:fillRect/>
-          </a:stretch>
-        </p:blipFill>
-        <p:spPr>
-          <a:xfrm>
-            <a:off x="1135470" y="6433107"/>
-            <a:ext cx="643264" cy="161524"/>
-          </a:xfrm>
-          <a:prstGeom prst="rect">
-            <a:avLst/>
-          </a:prstGeom>
-          <a:noFill/>
-          <a:ln>
-            <a:noFill/>
-          </a:ln>
-        </p:spPr>
-      </p:pic>
-    </p:spTree>
-    <p:extLst>
-      <p:ext uri="{BB962C8B-B14F-4D97-AF65-F5344CB8AC3E}">
-        <p14:creationId xmlns:p14="http://schemas.microsoft.com/office/powerpoint/2010/main" val="1993551436"/>
       </p:ext>
     </p:extLst>
   </p:cSld>

--- a/assignment_3_background.pptx
+++ b/assignment_3_background.pptx
@@ -4592,7 +4592,25 @@
                 <a:ea typeface="Helvetica Neue"/>
                 <a:cs typeface="Helvetica Neue"/>
               </a:rPr>
-              <a:t>s = k^(-1) * (hash(m) + r*e) mod n -&gt; e = (s * k - h) * </a:t>
+              <a:t>s = k^(-1) * (hash(m) + r*e) mod n </a:t>
+            </a:r>
+          </a:p>
+          <a:p>
+            <a:pPr marL="742950" lvl="8" indent="-285750">
+              <a:spcBef>
+                <a:spcPts val="1000"/>
+              </a:spcBef>
+            </a:pPr>
+            <a:r>
+              <a:rPr lang="en-US" sz="2800" dirty="0">
+                <a:solidFill>
+                  <a:schemeClr val="dk1"/>
+                </a:solidFill>
+                <a:latin typeface="Helvetica Neue"/>
+                <a:ea typeface="Helvetica Neue"/>
+                <a:cs typeface="Helvetica Neue"/>
+              </a:rPr>
+              <a:t>-&gt; e = (s * k - h) * </a:t>
             </a:r>
             <a:r>
               <a:rPr lang="en-US" sz="2800" dirty="0" err="1">
@@ -4958,6 +4976,25 @@
                 <a:latin typeface="Helvetica Neue"/>
                 <a:ea typeface="Helvetica Neue"/>
                 <a:cs typeface="Helvetica Neue"/>
+                <a:sym typeface="Helvetica Neue"/>
+              </a:rPr>
+              <a:t>Sony PlayStation 5 Hack</a:t>
+            </a:r>
+          </a:p>
+          <a:p>
+            <a:pPr marL="285750" lvl="7" indent="-285750">
+              <a:spcBef>
+                <a:spcPts val="1000"/>
+              </a:spcBef>
+            </a:pPr>
+            <a:r>
+              <a:rPr lang="en-US" sz="2800" dirty="0">
+                <a:solidFill>
+                  <a:schemeClr val="dk1"/>
+                </a:solidFill>
+                <a:latin typeface="Helvetica Neue"/>
+                <a:ea typeface="Helvetica Neue"/>
+                <a:cs typeface="Helvetica Neue"/>
               </a:rPr>
               <a:t>k = (hash(m1) - hash(m2))/(s1 - s2) mod n</a:t>
             </a:r>
@@ -5250,6 +5287,19 @@
               <a:t>(r, s) ≡ (r, n-s)</a:t>
             </a:r>
           </a:p>
+          <a:p>
+            <a:r>
+              <a:rPr lang="en-US" dirty="0">
+                <a:solidFill>
+                  <a:schemeClr val="dk1"/>
+                </a:solidFill>
+                <a:latin typeface="Helvetica Neue"/>
+                <a:ea typeface="Helvetica Neue"/>
+                <a:cs typeface="Helvetica Neue"/>
+              </a:rPr>
+              <a:t>Vulnerability was patched</a:t>
+            </a:r>
+          </a:p>
         </p:txBody>
       </p:sp>
       <p:sp>
@@ -7431,7 +7481,7 @@
           <a:p>
             <a:r>
               <a:rPr lang="en-US" dirty="0"/>
-              <a:t>P+Q-R = 0</a:t>
+              <a:t>P+Q+R = 0</a:t>
             </a:r>
           </a:p>
           <a:p>
@@ -7626,64 +7676,6 @@
           </a:prstGeom>
         </p:spPr>
       </p:pic>
-      <p:sp>
-        <p:nvSpPr>
-          <p:cNvPr id="9" name="Rectangle 8">
-            <a:extLst>
-              <a:ext uri="{FF2B5EF4-FFF2-40B4-BE49-F238E27FC236}">
-                <a16:creationId xmlns:a16="http://schemas.microsoft.com/office/drawing/2014/main" id="{7C5AE7EA-324A-F0C9-4AF6-F327838B3CC7}"/>
-              </a:ext>
-            </a:extLst>
-          </p:cNvPr>
-          <p:cNvSpPr/>
-          <p:nvPr/>
-        </p:nvSpPr>
-        <p:spPr>
-          <a:xfrm>
-            <a:off x="11235559" y="3297620"/>
-            <a:ext cx="665874" cy="223345"/>
-          </a:xfrm>
-          <a:prstGeom prst="rect">
-            <a:avLst/>
-          </a:prstGeom>
-          <a:solidFill>
-            <a:schemeClr val="bg1">
-              <a:lumMod val="75000"/>
-            </a:schemeClr>
-          </a:solidFill>
-          <a:ln>
-            <a:solidFill>
-              <a:schemeClr val="bg1">
-                <a:lumMod val="75000"/>
-              </a:schemeClr>
-            </a:solidFill>
-          </a:ln>
-        </p:spPr>
-        <p:style>
-          <a:lnRef idx="2">
-            <a:schemeClr val="accent1">
-              <a:shade val="15000"/>
-            </a:schemeClr>
-          </a:lnRef>
-          <a:fillRef idx="1">
-            <a:schemeClr val="accent1"/>
-          </a:fillRef>
-          <a:effectRef idx="0">
-            <a:schemeClr val="accent1"/>
-          </a:effectRef>
-          <a:fontRef idx="minor">
-            <a:schemeClr val="lt1"/>
-          </a:fontRef>
-        </p:style>
-        <p:txBody>
-          <a:bodyPr rtlCol="0" anchor="ctr"/>
-          <a:lstStyle/>
-          <a:p>
-            <a:pPr algn="ctr"/>
-            <a:endParaRPr lang="en-US"/>
-          </a:p>
-        </p:txBody>
-      </p:sp>
       <p:sp>
         <p:nvSpPr>
           <p:cNvPr id="10" name="TextBox 9">
@@ -8271,15 +8263,7 @@
             <a:pPr lvl="1"/>
             <a:r>
               <a:rPr lang="en-US" dirty="0"/>
-              <a:t>E</a:t>
-            </a:r>
-            <a:r>
-              <a:rPr lang="en-US"/>
-              <a:t> = e*</a:t>
-            </a:r>
-            <a:r>
-              <a:rPr lang="en-US" dirty="0"/>
-              <a:t>G</a:t>
+              <a:t>E = e*G</a:t>
             </a:r>
           </a:p>
           <a:p>
